--- a/doc/Final Presentation/Incremental_Unit_Testing-20160723-v1.pptx
+++ b/doc/Final Presentation/Incremental_Unit_Testing-20160723-v1.pptx
@@ -238,7 +238,7 @@
           <a:p>
             <a:fld id="{7D3FD8C9-866B-4352-9BA8-E78FEE8FB3FE}" type="datetimeFigureOut">
               <a:rPr lang="zh-CN" altLang="en-US" smtClean="0"/>
-              <a:t>16/7/22</a:t>
+              <a:t>16/7/25</a:t>
             </a:fld>
             <a:endParaRPr lang="zh-CN" altLang="en-US"/>
           </a:p>
@@ -1115,7 +1115,7 @@
           <a:p>
             <a:fld id="{A8B14F0C-7B7B-4AFA-B97B-D2221EA931C5}" type="datetime1">
               <a:rPr lang="zh-CN" altLang="en-US" smtClean="0"/>
-              <a:t>16/7/22</a:t>
+              <a:t>16/7/25</a:t>
             </a:fld>
             <a:endParaRPr lang="zh-CN" altLang="en-US"/>
           </a:p>
@@ -1285,7 +1285,7 @@
           <a:p>
             <a:fld id="{10A97015-680D-4B9A-B052-282520BC09AF}" type="datetime1">
               <a:rPr lang="zh-CN" altLang="en-US" smtClean="0"/>
-              <a:t>16/7/22</a:t>
+              <a:t>16/7/25</a:t>
             </a:fld>
             <a:endParaRPr lang="zh-CN" altLang="en-US"/>
           </a:p>
@@ -1465,7 +1465,7 @@
           <a:p>
             <a:fld id="{62826A2E-F8F6-4D5C-A457-6030273C9B60}" type="datetime1">
               <a:rPr lang="zh-CN" altLang="en-US" smtClean="0"/>
-              <a:t>16/7/22</a:t>
+              <a:t>16/7/25</a:t>
             </a:fld>
             <a:endParaRPr lang="zh-CN" altLang="en-US"/>
           </a:p>
@@ -1644,7 +1644,7 @@
           <a:p>
             <a:fld id="{7F0BE63F-29BB-4A39-A02B-55BA68BE7152}" type="datetime1">
               <a:rPr lang="zh-CN" altLang="en-US" smtClean="0"/>
-              <a:t>16/7/22</a:t>
+              <a:t>16/7/25</a:t>
             </a:fld>
             <a:endParaRPr lang="zh-CN" altLang="en-US"/>
           </a:p>
@@ -1890,7 +1890,7 @@
           <a:p>
             <a:fld id="{3A0EAE96-CBB8-4C6D-A431-2AC174D79D54}" type="datetime1">
               <a:rPr lang="zh-CN" altLang="en-US" smtClean="0"/>
-              <a:t>16/7/22</a:t>
+              <a:t>16/7/25</a:t>
             </a:fld>
             <a:endParaRPr lang="zh-CN" altLang="en-US"/>
           </a:p>
@@ -2178,7 +2178,7 @@
           <a:p>
             <a:fld id="{BEDA5287-591F-40DF-8ABD-F89E9B28A5BE}" type="datetime1">
               <a:rPr lang="zh-CN" altLang="en-US" smtClean="0"/>
-              <a:t>16/7/22</a:t>
+              <a:t>16/7/25</a:t>
             </a:fld>
             <a:endParaRPr lang="zh-CN" altLang="en-US"/>
           </a:p>
@@ -2600,7 +2600,7 @@
           <a:p>
             <a:fld id="{8CC14F33-5EBE-4B9A-B574-2CA58979CD63}" type="datetime1">
               <a:rPr lang="zh-CN" altLang="en-US" smtClean="0"/>
-              <a:t>16/7/22</a:t>
+              <a:t>16/7/25</a:t>
             </a:fld>
             <a:endParaRPr lang="zh-CN" altLang="en-US"/>
           </a:p>
@@ -2718,7 +2718,7 @@
           <a:p>
             <a:fld id="{33871B04-7561-49E6-AF24-7BEFA3407D13}" type="datetime1">
               <a:rPr lang="zh-CN" altLang="en-US" smtClean="0"/>
-              <a:t>16/7/22</a:t>
+              <a:t>16/7/25</a:t>
             </a:fld>
             <a:endParaRPr lang="zh-CN" altLang="en-US"/>
           </a:p>
@@ -2813,7 +2813,7 @@
           <a:p>
             <a:fld id="{F4B940BB-AF3B-42D0-9B82-9579D902CB8F}" type="datetime1">
               <a:rPr lang="zh-CN" altLang="en-US" smtClean="0"/>
-              <a:t>16/7/22</a:t>
+              <a:t>16/7/25</a:t>
             </a:fld>
             <a:endParaRPr lang="zh-CN" altLang="en-US"/>
           </a:p>
@@ -3090,7 +3090,7 @@
           <a:p>
             <a:fld id="{A9C6D808-9695-44D0-8F24-EA678C854018}" type="datetime1">
               <a:rPr lang="zh-CN" altLang="en-US" smtClean="0"/>
-              <a:t>16/7/22</a:t>
+              <a:t>16/7/25</a:t>
             </a:fld>
             <a:endParaRPr lang="zh-CN" altLang="en-US"/>
           </a:p>
@@ -3343,7 +3343,7 @@
           <a:p>
             <a:fld id="{0A651D11-65B3-4F14-8546-E5B73E0D61AB}" type="datetime1">
               <a:rPr lang="zh-CN" altLang="en-US" smtClean="0"/>
-              <a:t>16/7/22</a:t>
+              <a:t>16/7/25</a:t>
             </a:fld>
             <a:endParaRPr lang="zh-CN" altLang="en-US"/>
           </a:p>
@@ -3556,7 +3556,7 @@
           <a:p>
             <a:fld id="{4D5043EF-B242-4B54-A793-909CE59C0D05}" type="datetime1">
               <a:rPr lang="zh-CN" altLang="en-US" smtClean="0"/>
-              <a:t>16/7/22</a:t>
+              <a:t>16/7/25</a:t>
             </a:fld>
             <a:endParaRPr lang="zh-CN" altLang="en-US"/>
           </a:p>
@@ -3987,7 +3987,6 @@
               <a:rPr lang="en-US" altLang="zh-CN" dirty="0" smtClean="0"/>
               <a:t>Group</a:t>
             </a:r>
-            <a:endParaRPr lang="en-US" altLang="zh-CN" dirty="0" smtClean="0"/>
           </a:p>
           <a:p>
             <a:r>
@@ -4017,7 +4016,7 @@
           <a:p>
             <a:fld id="{5C75B572-EF5A-4B22-8AE6-17C8C2DFEEA9}" type="datetime1">
               <a:rPr lang="zh-CN" altLang="en-US" smtClean="0"/>
-              <a:t>16/7/22</a:t>
+              <a:t>16/7/25</a:t>
             </a:fld>
             <a:endParaRPr lang="zh-CN" altLang="en-US" dirty="0"/>
           </a:p>
@@ -4181,7 +4180,7 @@
           <a:p>
             <a:fld id="{E918460D-6D3F-4134-A840-F95176E6E708}" type="datetime1">
               <a:rPr lang="zh-CN" altLang="en-US" smtClean="0"/>
-              <a:t>16/7/23</a:t>
+              <a:t>16/7/25</a:t>
             </a:fld>
             <a:endParaRPr lang="zh-CN" altLang="en-US"/>
           </a:p>
@@ -4197,11 +4196,11 @@
   <p:clrMapOvr>
     <a:masterClrMapping/>
   </p:clrMapOvr>
-  <mc:AlternateContent xmlns:mc="http://schemas.openxmlformats.org/markup-compatibility/2006">
-    <mc:Choice xmlns:p14="http://schemas.microsoft.com/office/powerpoint/2010/main" Requires="p14">
+  <mc:AlternateContent xmlns:mc="http://schemas.openxmlformats.org/markup-compatibility/2006" xmlns:p14="http://schemas.microsoft.com/office/powerpoint/2010/main">
+    <mc:Choice Requires="p14">
       <p:transition spd="slow" p14:dur="2000"/>
     </mc:Choice>
-    <mc:Fallback>
+    <mc:Fallback xmlns="">
       <p:transition spd="slow"/>
     </mc:Fallback>
   </mc:AlternateContent>
@@ -4738,7 +4737,7 @@
           <a:p>
             <a:fld id="{520DBEF7-B94C-4F76-AFAD-17048593A86C}" type="datetime1">
               <a:rPr lang="zh-CN" altLang="en-US" smtClean="0"/>
-              <a:t>16/7/23</a:t>
+              <a:t>16/7/25</a:t>
             </a:fld>
             <a:endParaRPr lang="zh-CN" altLang="en-US"/>
           </a:p>
@@ -4833,22 +4832,13 @@
           <a:p>
             <a:r>
               <a:rPr lang="en-US" altLang="zh-CN" dirty="0" smtClean="0"/>
-              <a:t>Transform source into </a:t>
-            </a:r>
+              <a:t>Transform source into AST form</a:t>
+            </a:r>
+          </a:p>
+          <a:p>
             <a:r>
               <a:rPr lang="en-US" altLang="zh-CN" dirty="0" smtClean="0"/>
-              <a:t>AST form</a:t>
-            </a:r>
-            <a:endParaRPr lang="en-US" altLang="zh-CN" dirty="0" smtClean="0"/>
-          </a:p>
-          <a:p>
-            <a:r>
-              <a:rPr lang="en-US" altLang="zh-CN" dirty="0" smtClean="0"/>
-              <a:t>Compare </a:t>
-            </a:r>
-            <a:r>
-              <a:rPr lang="en-US" altLang="zh-CN" dirty="0" smtClean="0"/>
-              <a:t>AST structure and content</a:t>
+              <a:t>Compare AST structure and content</a:t>
             </a:r>
           </a:p>
           <a:p>
@@ -4856,7 +4846,6 @@
               <a:rPr lang="en-US" altLang="zh-CN" dirty="0" smtClean="0"/>
               <a:t>Diff result: </a:t>
             </a:r>
-            <a:endParaRPr lang="en-US" altLang="zh-CN" dirty="0" smtClean="0"/>
           </a:p>
           <a:p>
             <a:pPr lvl="1"/>
@@ -5203,7 +5192,7 @@
           <a:p>
             <a:fld id="{59663E60-4836-4BC2-BCCA-9100AC856ACF}" type="datetime1">
               <a:rPr lang="zh-CN" altLang="en-US" smtClean="0"/>
-              <a:t>16/7/23</a:t>
+              <a:t>16/7/25</a:t>
             </a:fld>
             <a:endParaRPr lang="zh-CN" altLang="en-US"/>
           </a:p>
@@ -5462,7 +5451,7 @@
           <a:p>
             <a:fld id="{E918460D-6D3F-4134-A840-F95176E6E708}" type="datetime1">
               <a:rPr lang="zh-CN" altLang="en-US" smtClean="0"/>
-              <a:t>16/7/23</a:t>
+              <a:t>16/7/25</a:t>
             </a:fld>
             <a:endParaRPr lang="zh-CN" altLang="en-US"/>
           </a:p>
@@ -5478,11 +5467,11 @@
   <p:clrMapOvr>
     <a:masterClrMapping/>
   </p:clrMapOvr>
-  <mc:AlternateContent xmlns:mc="http://schemas.openxmlformats.org/markup-compatibility/2006">
-    <mc:Choice xmlns:p14="http://schemas.microsoft.com/office/powerpoint/2010/main" Requires="p14">
+  <mc:AlternateContent xmlns:mc="http://schemas.openxmlformats.org/markup-compatibility/2006" xmlns:p14="http://schemas.microsoft.com/office/powerpoint/2010/main">
+    <mc:Choice Requires="p14">
       <p:transition spd="slow" p14:dur="2000"/>
     </mc:Choice>
-    <mc:Fallback>
+    <mc:Fallback xmlns="">
       <p:transition spd="slow"/>
     </mc:Fallback>
   </mc:AlternateContent>
@@ -5619,7 +5608,7 @@
           <a:p>
             <a:fld id="{E918460D-6D3F-4134-A840-F95176E6E708}" type="datetime1">
               <a:rPr lang="zh-CN" altLang="en-US" smtClean="0"/>
-              <a:t>16/7/23</a:t>
+              <a:t>16/7/25</a:t>
             </a:fld>
             <a:endParaRPr lang="zh-CN" altLang="en-US"/>
           </a:p>
@@ -5635,11 +5624,11 @@
   <p:clrMapOvr>
     <a:masterClrMapping/>
   </p:clrMapOvr>
-  <mc:AlternateContent xmlns:mc="http://schemas.openxmlformats.org/markup-compatibility/2006">
-    <mc:Choice xmlns:p14="http://schemas.microsoft.com/office/powerpoint/2010/main" Requires="p14">
+  <mc:AlternateContent xmlns:mc="http://schemas.openxmlformats.org/markup-compatibility/2006" xmlns:p14="http://schemas.microsoft.com/office/powerpoint/2010/main">
+    <mc:Choice Requires="p14">
       <p:transition spd="slow" p14:dur="2000"/>
     </mc:Choice>
-    <mc:Fallback>
+    <mc:Fallback xmlns="">
       <p:transition spd="slow"/>
     </mc:Fallback>
   </mc:AlternateContent>
@@ -6144,7 +6133,7 @@
           <a:p>
             <a:fld id="{9A5743E6-3416-40DE-9A69-87F4D4229038}" type="datetime1">
               <a:rPr lang="zh-CN" altLang="en-US" smtClean="0"/>
-              <a:t>16/7/23</a:t>
+              <a:t>16/7/25</a:t>
             </a:fld>
             <a:endParaRPr lang="zh-CN" altLang="en-US"/>
           </a:p>
@@ -6350,7 +6339,7 @@
           <a:p>
             <a:fld id="{E24B9186-B14B-412F-A517-5EAB9A7E23B3}" type="datetime1">
               <a:rPr lang="zh-CN" altLang="en-US" smtClean="0"/>
-              <a:t>16/7/23</a:t>
+              <a:t>16/7/25</a:t>
             </a:fld>
             <a:endParaRPr lang="zh-CN" altLang="en-US"/>
           </a:p>
@@ -6445,19 +6434,7 @@
           <a:p>
             <a:r>
               <a:rPr lang="en-US" altLang="zh-CN" dirty="0" smtClean="0"/>
-              <a:t>A</a:t>
-            </a:r>
-            <a:r>
-              <a:rPr lang="en-US" altLang="zh-CN" dirty="0" smtClean="0"/>
-              <a:t> </a:t>
-            </a:r>
-            <a:r>
-              <a:rPr lang="en-US" altLang="zh-CN" dirty="0" smtClean="0"/>
-              <a:t>command-line tool </a:t>
-            </a:r>
-            <a:r>
-              <a:rPr lang="en-US" altLang="zh-CN" dirty="0" smtClean="0"/>
-              <a:t>‘</a:t>
+              <a:t>A command-line tool ‘</a:t>
             </a:r>
             <a:r>
               <a:rPr lang="en-US" altLang="zh-CN" dirty="0" err="1" smtClean="0"/>
@@ -6487,11 +6464,7 @@
             </a:r>
             <a:r>
               <a:rPr lang="en-US" altLang="zh-CN" dirty="0" smtClean="0"/>
-              <a:t>ub-commands </a:t>
-            </a:r>
-            <a:r>
-              <a:rPr lang="en-US" altLang="zh-CN" dirty="0" smtClean="0"/>
-              <a:t>included in ‘</a:t>
+              <a:t>ub-commands included in ‘</a:t>
             </a:r>
             <a:r>
               <a:rPr lang="en-US" altLang="zh-CN" dirty="0" err="1" smtClean="0"/>
@@ -6501,7 +6474,6 @@
               <a:rPr lang="en-US" altLang="zh-CN" dirty="0" smtClean="0"/>
               <a:t>’</a:t>
             </a:r>
-            <a:endParaRPr lang="en-US" altLang="zh-CN" dirty="0" smtClean="0"/>
           </a:p>
           <a:p>
             <a:pPr lvl="1"/>
@@ -6552,7 +6524,7 @@
           <a:p>
             <a:fld id="{838B88C3-EF52-4FAD-BCAF-FE7662002012}" type="datetime1">
               <a:rPr lang="zh-CN" altLang="en-US" smtClean="0"/>
-              <a:t>16/7/23</a:t>
+              <a:t>16/7/25</a:t>
             </a:fld>
             <a:endParaRPr lang="zh-CN" altLang="en-US"/>
           </a:p>
@@ -6845,7 +6817,7 @@
           <a:p>
             <a:fld id="{838B88C3-EF52-4FAD-BCAF-FE7662002012}" type="datetime1">
               <a:rPr lang="zh-CN" altLang="en-US" smtClean="0"/>
-              <a:t>16/7/23</a:t>
+              <a:t>16/7/25</a:t>
             </a:fld>
             <a:endParaRPr lang="zh-CN" altLang="en-US"/>
           </a:p>
@@ -7000,11 +6972,7 @@
             </a:r>
             <a:r>
               <a:rPr lang="en-US" altLang="zh-CN" dirty="0" smtClean="0"/>
-              <a:t>ind </a:t>
-            </a:r>
-            <a:r>
-              <a:rPr lang="en-US" altLang="zh-CN" dirty="0" smtClean="0"/>
-              <a:t>Function</a:t>
+              <a:t>ind Function</a:t>
             </a:r>
             <a:r>
               <a:rPr lang="zh-CN" altLang="en-US" dirty="0" smtClean="0"/>
@@ -7039,13 +7007,8 @@
             </a:r>
             <a:r>
               <a:rPr lang="en-US" altLang="zh-CN" dirty="0" smtClean="0"/>
-              <a:t>relationship between test case and </a:t>
-            </a:r>
-            <a:r>
-              <a:rPr lang="en-US" altLang="zh-CN" dirty="0" smtClean="0"/>
-              <a:t>function</a:t>
-            </a:r>
-            <a:endParaRPr lang="en-US" altLang="zh-CN" dirty="0" smtClean="0"/>
+              <a:t>relationship between test case and function</a:t>
+            </a:r>
           </a:p>
           <a:p>
             <a:r>
@@ -7101,7 +7064,7 @@
           <a:p>
             <a:fld id="{5E9EDCF8-D286-4E1D-9375-84D78D0AD50E}" type="datetime1">
               <a:rPr lang="zh-CN" altLang="en-US" smtClean="0"/>
-              <a:t>16/7/22</a:t>
+              <a:t>16/7/25</a:t>
             </a:fld>
             <a:endParaRPr lang="zh-CN" altLang="en-US"/>
           </a:p>
@@ -7224,14 +7187,12 @@
               <a:rPr lang="en-US" altLang="zh-CN" dirty="0" smtClean="0"/>
               <a:t>Refinement</a:t>
             </a:r>
-            <a:endParaRPr lang="en-US" altLang="zh-CN" dirty="0" smtClean="0"/>
           </a:p>
           <a:p>
             <a:r>
               <a:rPr lang="en-US" altLang="zh-CN" dirty="0" smtClean="0"/>
               <a:t>Demo</a:t>
             </a:r>
-            <a:endParaRPr lang="en-US" altLang="zh-CN" dirty="0" smtClean="0"/>
           </a:p>
           <a:p>
             <a:r>
@@ -7259,7 +7220,7 @@
           <a:p>
             <a:fld id="{F3A6A64E-5DC9-4093-BE19-477C24ABD859}" type="datetime1">
               <a:rPr lang="zh-CN" altLang="en-US" smtClean="0"/>
-              <a:t>16/7/23</a:t>
+              <a:t>16/7/25</a:t>
             </a:fld>
             <a:endParaRPr lang="zh-CN" altLang="en-US"/>
           </a:p>
@@ -7604,7 +7565,7 @@
           <a:p>
             <a:fld id="{D69B4C5C-ED01-4E3B-A26B-4D49EB11DA60}" type="datetime1">
               <a:rPr lang="zh-CN" altLang="en-US" smtClean="0"/>
-              <a:t>16/7/23</a:t>
+              <a:t>16/7/25</a:t>
             </a:fld>
             <a:endParaRPr lang="zh-CN" altLang="en-US"/>
           </a:p>
@@ -7717,25 +7678,8 @@
                   </a:schemeClr>
                 </a:solidFill>
               </a:rPr>
-              <a:t>C++ </a:t>
-            </a:r>
-            <a:r>
-              <a:rPr lang="en-US" altLang="zh-CN" dirty="0">
-                <a:solidFill>
-                  <a:schemeClr val="bg1">
-                    <a:lumMod val="75000"/>
-                  </a:schemeClr>
-                </a:solidFill>
-              </a:rPr>
-              <a:t>IUT Implementation</a:t>
-            </a:r>
-            <a:endParaRPr lang="en-US" altLang="zh-CN" dirty="0">
-              <a:solidFill>
-                <a:schemeClr val="bg1">
-                  <a:lumMod val="75000"/>
-                </a:schemeClr>
-              </a:solidFill>
-            </a:endParaRPr>
+              <a:t>C++ IUT Implementation</a:t>
+            </a:r>
           </a:p>
           <a:p>
             <a:r>
@@ -7823,7 +7767,7 @@
           <a:p>
             <a:fld id="{E24B9186-B14B-412F-A517-5EAB9A7E23B3}" type="datetime1">
               <a:rPr lang="zh-CN" altLang="en-US" smtClean="0"/>
-              <a:t>16/7/23</a:t>
+              <a:t>16/7/25</a:t>
             </a:fld>
             <a:endParaRPr lang="zh-CN" altLang="en-US"/>
           </a:p>
@@ -8063,7 +8007,7 @@
           <a:p>
             <a:fld id="{D69B4C5C-ED01-4E3B-A26B-4D49EB11DA60}" type="datetime1">
               <a:rPr lang="zh-CN" altLang="en-US" smtClean="0"/>
-              <a:t>16/7/23</a:t>
+              <a:t>16/7/25</a:t>
             </a:fld>
             <a:endParaRPr lang="zh-CN" altLang="en-US"/>
           </a:p>
@@ -8130,15 +8074,7 @@
           <a:p>
             <a:r>
               <a:rPr lang="en-US" altLang="zh-CN" dirty="0" smtClean="0"/>
-              <a:t>Former</a:t>
-            </a:r>
-            <a:r>
-              <a:rPr lang="en-US" altLang="zh-CN" dirty="0" smtClean="0"/>
-              <a:t> </a:t>
-            </a:r>
-            <a:r>
-              <a:rPr lang="en-US" altLang="zh-CN" dirty="0" smtClean="0"/>
-              <a:t>Workflow</a:t>
+              <a:t>Former Workflow</a:t>
             </a:r>
             <a:endParaRPr lang="zh-CN" altLang="en-US" dirty="0"/>
           </a:p>
@@ -9806,7 +9742,7 @@
           <a:p>
             <a:fld id="{BD9BEC3B-8491-4FBA-94D5-C692EE49C8C8}" type="datetime1">
               <a:rPr lang="zh-CN" altLang="en-US" smtClean="0"/>
-              <a:t>16/7/22</a:t>
+              <a:t>16/7/25</a:t>
             </a:fld>
             <a:endParaRPr lang="zh-CN" altLang="en-US"/>
           </a:p>
@@ -11373,7 +11309,7 @@
           <a:p>
             <a:fld id="{BD9BEC3B-8491-4FBA-94D5-C692EE49C8C8}" type="datetime1">
               <a:rPr lang="zh-CN" altLang="en-US" smtClean="0"/>
-              <a:t>16/7/23</a:t>
+              <a:t>16/7/25</a:t>
             </a:fld>
             <a:endParaRPr lang="zh-CN" altLang="en-US"/>
           </a:p>
@@ -11464,7 +11400,7 @@
           <a:p>
             <a:fld id="{D69B4C5C-ED01-4E3B-A26B-4D49EB11DA60}" type="datetime1">
               <a:rPr lang="zh-CN" altLang="en-US" smtClean="0"/>
-              <a:t>16/7/23</a:t>
+              <a:t>16/7/25</a:t>
             </a:fld>
             <a:endParaRPr lang="zh-CN" altLang="en-US"/>
           </a:p>
@@ -13776,8 +13712,10 @@
                   </a:schemeClr>
                 </a:solidFill>
               </a:rPr>
-              <a:t>C++ </a:t>
-            </a:r>
+              <a:t>C++ IUT Implementation</a:t>
+            </a:r>
+          </a:p>
+          <a:p>
             <a:r>
               <a:rPr lang="en-US" altLang="zh-CN" dirty="0">
                 <a:solidFill>
@@ -13786,44 +13724,8 @@
                   </a:schemeClr>
                 </a:solidFill>
               </a:rPr>
-              <a:t>IUT Implementation</a:t>
-            </a:r>
-            <a:endParaRPr lang="en-US" altLang="zh-CN" dirty="0">
-              <a:solidFill>
-                <a:schemeClr val="bg1">
-                  <a:lumMod val="75000"/>
-                </a:schemeClr>
-              </a:solidFill>
-            </a:endParaRPr>
-          </a:p>
-          <a:p>
-            <a:r>
-              <a:rPr lang="en-US" altLang="zh-CN" dirty="0">
-                <a:solidFill>
-                  <a:schemeClr val="bg1">
-                    <a:lumMod val="75000"/>
-                  </a:schemeClr>
-                </a:solidFill>
-              </a:rPr>
-              <a:t>Java </a:t>
-            </a:r>
-            <a:r>
-              <a:rPr lang="en-US" altLang="zh-CN" dirty="0">
-                <a:solidFill>
-                  <a:schemeClr val="bg1">
-                    <a:lumMod val="75000"/>
-                  </a:schemeClr>
-                </a:solidFill>
-              </a:rPr>
-              <a:t>IUT Refinement</a:t>
-            </a:r>
-            <a:endParaRPr lang="en-US" altLang="zh-CN" dirty="0">
-              <a:solidFill>
-                <a:schemeClr val="bg1">
-                  <a:lumMod val="75000"/>
-                </a:schemeClr>
-              </a:solidFill>
-            </a:endParaRPr>
+              <a:t>Java IUT Refinement</a:t>
+            </a:r>
           </a:p>
           <a:p>
             <a:r>
@@ -13887,7 +13789,7 @@
           <a:p>
             <a:fld id="{E24B9186-B14B-412F-A517-5EAB9A7E23B3}" type="datetime1">
               <a:rPr lang="zh-CN" altLang="en-US" smtClean="0"/>
-              <a:t>16/7/23</a:t>
+              <a:t>16/7/25</a:t>
             </a:fld>
             <a:endParaRPr lang="zh-CN" altLang="en-US"/>
           </a:p>
@@ -13989,7 +13891,7 @@
           <a:p>
             <a:fld id="{C1D4F7DD-263F-4C5F-A4F9-B010F65DFD17}" type="datetime1">
               <a:rPr lang="zh-CN" altLang="en-US" smtClean="0"/>
-              <a:t>16/7/22</a:t>
+              <a:t>16/7/25</a:t>
             </a:fld>
             <a:endParaRPr lang="zh-CN" altLang="en-US"/>
           </a:p>
@@ -14102,8 +14004,10 @@
                   </a:schemeClr>
                 </a:solidFill>
               </a:rPr>
-              <a:t>C++ </a:t>
-            </a:r>
+              <a:t>C++ IUT Implementation</a:t>
+            </a:r>
+          </a:p>
+          <a:p>
             <a:r>
               <a:rPr lang="en-US" altLang="zh-CN" dirty="0">
                 <a:solidFill>
@@ -14112,36 +14016,7 @@
                   </a:schemeClr>
                 </a:solidFill>
               </a:rPr>
-              <a:t>IUT Implementation</a:t>
-            </a:r>
-            <a:endParaRPr lang="en-US" altLang="zh-CN" dirty="0">
-              <a:solidFill>
-                <a:schemeClr val="bg1">
-                  <a:lumMod val="75000"/>
-                </a:schemeClr>
-              </a:solidFill>
-            </a:endParaRPr>
-          </a:p>
-          <a:p>
-            <a:r>
-              <a:rPr lang="en-US" altLang="zh-CN" dirty="0">
-                <a:solidFill>
-                  <a:schemeClr val="bg1">
-                    <a:lumMod val="75000"/>
-                  </a:schemeClr>
-                </a:solidFill>
-              </a:rPr>
-              <a:t>Java IUT </a:t>
-            </a:r>
-            <a:r>
-              <a:rPr lang="en-US" altLang="zh-CN" dirty="0">
-                <a:solidFill>
-                  <a:schemeClr val="bg1">
-                    <a:lumMod val="75000"/>
-                  </a:schemeClr>
-                </a:solidFill>
-              </a:rPr>
-              <a:t>Refinement</a:t>
+              <a:t>Java IUT Refinement</a:t>
             </a:r>
           </a:p>
           <a:p>
@@ -14200,7 +14075,7 @@
           <a:p>
             <a:fld id="{E24B9186-B14B-412F-A517-5EAB9A7E23B3}" type="datetime1">
               <a:rPr lang="zh-CN" altLang="en-US" smtClean="0"/>
-              <a:t>16/7/23</a:t>
+              <a:t>16/7/25</a:t>
             </a:fld>
             <a:endParaRPr lang="zh-CN" altLang="en-US"/>
           </a:p>
@@ -14378,7 +14253,7 @@
           <a:p>
             <a:fld id="{FC91C104-76BD-4C9C-8475-1BCC6B31C9F1}" type="datetime1">
               <a:rPr lang="zh-CN" altLang="en-US" smtClean="0"/>
-              <a:t>16/7/23</a:t>
+              <a:t>16/7/25</a:t>
             </a:fld>
             <a:endParaRPr lang="zh-CN" altLang="en-US"/>
           </a:p>
@@ -14576,7 +14451,7 @@
           <a:p>
             <a:fld id="{98E086D8-1854-4026-8A21-4877218E6D0B}" type="datetime1">
               <a:rPr lang="zh-CN" altLang="en-US" smtClean="0"/>
-              <a:t>16/7/23</a:t>
+              <a:t>16/7/25</a:t>
             </a:fld>
             <a:endParaRPr lang="zh-CN" altLang="en-US"/>
           </a:p>
@@ -14909,7 +14784,7 @@
           <a:p>
             <a:fld id="{0A86E95A-A9B7-4927-BA56-D1E6EC17C801}" type="datetime1">
               <a:rPr lang="zh-CN" altLang="en-US" smtClean="0"/>
-              <a:t>16/7/23</a:t>
+              <a:t>16/7/25</a:t>
             </a:fld>
             <a:endParaRPr lang="zh-CN" altLang="en-US"/>
           </a:p>
@@ -15013,7 +14888,7 @@
           <a:p>
             <a:fld id="{4D5DA046-07BA-48AE-9FC8-C3C53067BA69}" type="datetime1">
               <a:rPr lang="zh-CN" altLang="en-US" smtClean="0"/>
-              <a:t>16/7/22</a:t>
+              <a:t>16/7/25</a:t>
             </a:fld>
             <a:endParaRPr lang="zh-CN" altLang="en-US"/>
           </a:p>
@@ -15748,7 +15623,7 @@
           <a:p>
             <a:fld id="{9F20E11B-2E48-4656-BC97-71689B76E9CD}" type="datetime1">
               <a:rPr lang="zh-CN" altLang="en-US" smtClean="0"/>
-              <a:t>16/7/22</a:t>
+              <a:t>16/7/25</a:t>
             </a:fld>
             <a:endParaRPr lang="zh-CN" altLang="en-US"/>
           </a:p>
@@ -16619,7 +16494,7 @@
           <a:p>
             <a:fld id="{C9149B9F-A834-453A-8E18-9495B8240410}" type="datetime1">
               <a:rPr lang="zh-CN" altLang="en-US" smtClean="0"/>
-              <a:t>16/7/22</a:t>
+              <a:t>16/7/25</a:t>
             </a:fld>
             <a:endParaRPr lang="zh-CN" altLang="en-US"/>
           </a:p>
@@ -16800,7 +16675,7 @@
           <a:p>
             <a:fld id="{3E3AC555-B870-477B-A235-13D29F7C9F57}" type="datetime1">
               <a:rPr lang="zh-CN" altLang="en-US" smtClean="0"/>
-              <a:t>16/7/23</a:t>
+              <a:t>16/7/25</a:t>
             </a:fld>
             <a:endParaRPr lang="zh-CN" altLang="en-US"/>
           </a:p>
@@ -16891,22 +16766,110 @@
                   <a:srgbClr val="000000"/>
                 </a:solidFill>
               </a:rPr>
-              <a:t>Instrument original codes to log the function coverage of every test case and write them to database.</a:t>
-            </a:r>
-            <a:endParaRPr lang="en-US" altLang="zh-CN" dirty="0"/>
-          </a:p>
-          <a:p>
-            <a:pPr>
-              <a:buFont typeface="Arial"/>
-              <a:buChar char="•"/>
-            </a:pPr>
+              <a:t>Instrument original codes to log the function coverage of every test case and </a:t>
+            </a:r>
+            <a:r>
+              <a:rPr lang="en-US" altLang="zh-CN" dirty="0" smtClean="0">
+                <a:solidFill>
+                  <a:srgbClr val="000000"/>
+                </a:solidFill>
+              </a:rPr>
+              <a:t>store</a:t>
+            </a:r>
+            <a:r>
+              <a:rPr lang="zh-CN" altLang="en-US" dirty="0" smtClean="0">
+                <a:solidFill>
+                  <a:srgbClr val="000000"/>
+                </a:solidFill>
+              </a:rPr>
+              <a:t> </a:t>
+            </a:r>
+            <a:r>
+              <a:rPr lang="en-US" altLang="zh-CN" dirty="0" smtClean="0">
+                <a:solidFill>
+                  <a:srgbClr val="000000"/>
+                </a:solidFill>
+              </a:rPr>
+              <a:t>them </a:t>
+            </a:r>
             <a:r>
               <a:rPr lang="en-US" altLang="zh-CN" dirty="0">
                 <a:solidFill>
                   <a:srgbClr val="000000"/>
                 </a:solidFill>
               </a:rPr>
-              <a:t>Find differences of two versions of codes in level of function.</a:t>
+              <a:t>to database.</a:t>
+            </a:r>
+            <a:endParaRPr lang="en-US" altLang="zh-CN" dirty="0"/>
+          </a:p>
+          <a:p>
+            <a:pPr>
+              <a:buFont typeface="Arial"/>
+              <a:buChar char="•"/>
+            </a:pPr>
+            <a:r>
+              <a:rPr lang="en-US" altLang="zh-CN" dirty="0">
+                <a:solidFill>
+                  <a:srgbClr val="000000"/>
+                </a:solidFill>
+              </a:rPr>
+              <a:t>Find differences </a:t>
+            </a:r>
+            <a:r>
+              <a:rPr lang="en-US" altLang="zh-CN" dirty="0" smtClean="0">
+                <a:solidFill>
+                  <a:srgbClr val="000000"/>
+                </a:solidFill>
+              </a:rPr>
+              <a:t>between</a:t>
+            </a:r>
+            <a:r>
+              <a:rPr lang="zh-CN" altLang="en-US" dirty="0" smtClean="0">
+                <a:solidFill>
+                  <a:srgbClr val="000000"/>
+                </a:solidFill>
+              </a:rPr>
+              <a:t> </a:t>
+            </a:r>
+            <a:r>
+              <a:rPr lang="en-US" altLang="zh-CN" dirty="0" smtClean="0">
+                <a:solidFill>
+                  <a:srgbClr val="000000"/>
+                </a:solidFill>
+              </a:rPr>
+              <a:t>two </a:t>
+            </a:r>
+            <a:r>
+              <a:rPr lang="en-US" altLang="zh-CN" dirty="0">
+                <a:solidFill>
+                  <a:srgbClr val="000000"/>
+                </a:solidFill>
+              </a:rPr>
+              <a:t>versions of codes in </a:t>
+            </a:r>
+            <a:r>
+              <a:rPr lang="en-US" altLang="zh-CN" dirty="0" smtClean="0">
+                <a:solidFill>
+                  <a:srgbClr val="000000"/>
+                </a:solidFill>
+              </a:rPr>
+              <a:t>function</a:t>
+            </a:r>
+            <a:r>
+              <a:rPr lang="zh-CN" altLang="en-US" dirty="0" smtClean="0">
+                <a:solidFill>
+                  <a:srgbClr val="000000"/>
+                </a:solidFill>
+              </a:rPr>
+              <a:t> </a:t>
+            </a:r>
+            <a:r>
+              <a:rPr lang="en-US" altLang="zh-CN" smtClean="0">
+                <a:solidFill>
+                  <a:srgbClr val="000000"/>
+                </a:solidFill>
+              </a:rPr>
+              <a:t>level.</a:t>
             </a:r>
             <a:endParaRPr lang="en-US" altLang="zh-CN" dirty="0"/>
           </a:p>
@@ -16944,7 +16907,7 @@
           <a:p>
             <a:fld id="{8AD2FE68-E24D-4006-8ECD-091F5777935A}" type="datetime1">
               <a:rPr lang="zh-CN" altLang="en-US" smtClean="0"/>
-              <a:t>16/7/23</a:t>
+              <a:t>16/7/25</a:t>
             </a:fld>
             <a:endParaRPr lang="zh-CN" altLang="en-US"/>
           </a:p>
@@ -18299,7 +18262,7 @@
           <a:p>
             <a:fld id="{2CDFFD0A-502C-4CB6-B714-EFCFA84D6BFF}" type="datetime1">
               <a:rPr lang="zh-CN" altLang="en-US" smtClean="0"/>
-              <a:t>16/7/22</a:t>
+              <a:t>16/7/25</a:t>
             </a:fld>
             <a:endParaRPr lang="zh-CN" altLang="en-US"/>
           </a:p>
@@ -18460,7 +18423,7 @@
           <a:p>
             <a:fld id="{E918460D-6D3F-4134-A840-F95176E6E708}" type="datetime1">
               <a:rPr lang="zh-CN" altLang="en-US" smtClean="0"/>
-              <a:t>16/7/23</a:t>
+              <a:t>16/7/25</a:t>
             </a:fld>
             <a:endParaRPr lang="zh-CN" altLang="en-US"/>
           </a:p>
@@ -18680,11 +18643,11 @@
   <p:clrMapOvr>
     <a:masterClrMapping/>
   </p:clrMapOvr>
-  <mc:AlternateContent xmlns:mc="http://schemas.openxmlformats.org/markup-compatibility/2006">
-    <mc:Choice xmlns:p14="http://schemas.microsoft.com/office/powerpoint/2010/main" Requires="p14">
+  <mc:AlternateContent xmlns:mc="http://schemas.openxmlformats.org/markup-compatibility/2006" xmlns:p14="http://schemas.microsoft.com/office/powerpoint/2010/main">
+    <mc:Choice Requires="p14">
       <p:transition spd="slow" p14:dur="2000"/>
     </mc:Choice>
-    <mc:Fallback>
+    <mc:Fallback xmlns="">
       <p:transition spd="slow"/>
     </mc:Fallback>
   </mc:AlternateContent>
